--- a/courses/spring25dit636/Lectures/Spring25-Exercise2-TestDesign.pptx
+++ b/courses/spring25dit636/Lectures/Spring25-Exercise2-TestDesign.pptx
@@ -2119,7 +2119,7 @@
       </p:grpSpPr>
       <p:sp>
         <p:nvSpPr>
-          <p:cNvPr id="108" name="Google Shape;108;gb7cc7811a9_0_10:notes"/>
+          <p:cNvPr id="108" name="Google Shape;108;g2d857917ecc_1_0:notes"/>
           <p:cNvSpPr/>
           <p:nvPr>
             <p:ph idx="2" type="sldImg"/>
@@ -2154,7 +2154,7 @@
       </p:sp>
       <p:sp>
         <p:nvSpPr>
-          <p:cNvPr id="109" name="Google Shape;109;gb7cc7811a9_0_10:notes"/>
+          <p:cNvPr id="109" name="Google Shape;109;g2d857917ecc_1_0:notes"/>
           <p:cNvSpPr txBox="1"/>
           <p:nvPr>
             <p:ph idx="1" type="body"/>
@@ -2176,6 +2176,9 @@
           <a:lstStyle/>
           <a:p>
             <a:pPr indent="0" lvl="0" marL="0" rtl="0" algn="l">
+              <a:lnSpc>
+                <a:spcPct val="115000"/>
+              </a:lnSpc>
               <a:spcBef>
                 <a:spcPts val="0"/>
               </a:spcBef>
@@ -2185,23 +2188,24 @@
               <a:buNone/>
             </a:pPr>
             <a:r>
-              <a:rPr lang="sv-SE" sz="1100">
-                <a:latin typeface="Arial"/>
-                <a:ea typeface="Arial"/>
-                <a:cs typeface="Arial"/>
-                <a:sym typeface="Arial"/>
+              <a:rPr lang="sv-SE">
+                <a:solidFill>
+                  <a:srgbClr val="4F4F4F"/>
+                </a:solidFill>
               </a:rPr>
-              <a:t>Recall the lectures on system testing. The approximate process of writing system tests is to:</a:t>
+              <a:t>Creating functional tests can be boiled down to a five stage process. </a:t>
             </a:r>
-            <a:endParaRPr sz="1100">
-              <a:latin typeface="Arial"/>
-              <a:ea typeface="Arial"/>
-              <a:cs typeface="Arial"/>
-              <a:sym typeface="Arial"/>
+            <a:endParaRPr>
+              <a:solidFill>
+                <a:schemeClr val="dk1"/>
+              </a:solidFill>
             </a:endParaRPr>
           </a:p>
           <a:p>
-            <a:pPr indent="-298450" lvl="0" marL="457200" rtl="0" algn="l">
+            <a:pPr indent="-317500" lvl="0" marL="457200" rtl="0" algn="l">
+              <a:lnSpc>
+                <a:spcPct val="115000"/>
+              </a:lnSpc>
               <a:spcBef>
                 <a:spcPts val="0"/>
               </a:spcBef>
@@ -2211,27 +2215,162 @@
               <a:buClr>
                 <a:schemeClr val="dk1"/>
               </a:buClr>
-              <a:buSzPts val="1100"/>
-              <a:buAutoNum type="arabicPeriod"/>
+              <a:buSzPts val="1400"/>
+              <a:buChar char="-"/>
             </a:pPr>
             <a:r>
-              <a:rPr lang="sv-SE" sz="1100">
-                <a:latin typeface="Arial"/>
-                <a:ea typeface="Arial"/>
-                <a:cs typeface="Arial"/>
-                <a:sym typeface="Arial"/>
+              <a:rPr lang="sv-SE"/>
+              <a:t>Y</a:t>
+            </a:r>
+            <a:r>
+              <a:rPr lang="sv-SE">
+                <a:solidFill>
+                  <a:schemeClr val="dk1"/>
+                </a:solidFill>
               </a:rPr>
-              <a:t>Identify what you want to test. That could be an independently testable feature surfaced by an interface, or it could be a specific group of functions that you want to test in combination. </a:t>
+              <a:t>ou need to figure out what </a:t>
             </a:r>
-            <a:endParaRPr sz="1100">
-              <a:latin typeface="Arial"/>
-              <a:ea typeface="Arial"/>
-              <a:cs typeface="Arial"/>
-              <a:sym typeface="Arial"/>
+            <a:r>
+              <a:rPr lang="sv-SE"/>
+              <a:t>you want to test - typically we talk about these in terms of i</a:t>
+            </a:r>
+            <a:r>
+              <a:rPr lang="sv-SE">
+                <a:solidFill>
+                  <a:schemeClr val="dk1"/>
+                </a:solidFill>
+              </a:rPr>
+              <a:t>ndependently testable</a:t>
+            </a:r>
+            <a:r>
+              <a:rPr lang="sv-SE"/>
+              <a:t> features </a:t>
+            </a:r>
+            <a:r>
+              <a:rPr lang="sv-SE">
+                <a:solidFill>
+                  <a:schemeClr val="dk1"/>
+                </a:solidFill>
+              </a:rPr>
+              <a:t>of your system. What features or functions are surfaced by </a:t>
+            </a:r>
+            <a:r>
+              <a:rPr lang="sv-SE"/>
+              <a:t>an interface and </a:t>
+            </a:r>
+            <a:r>
+              <a:rPr lang="sv-SE">
+                <a:solidFill>
+                  <a:schemeClr val="dk1"/>
+                </a:solidFill>
+              </a:rPr>
+              <a:t>can be tested in </a:t>
+            </a:r>
+            <a:r>
+              <a:rPr lang="sv-SE"/>
+              <a:t>relative </a:t>
+            </a:r>
+            <a:r>
+              <a:rPr lang="sv-SE">
+                <a:solidFill>
+                  <a:schemeClr val="dk1"/>
+                </a:solidFill>
+              </a:rPr>
+              <a:t>isolation</a:t>
+            </a:r>
+            <a:r>
+              <a:rPr lang="sv-SE"/>
+              <a:t>from other parts of the system? Or, in some cases, you might discuss a set of functions that are tested together</a:t>
+            </a:r>
+            <a:endParaRPr/>
+          </a:p>
+          <a:p>
+            <a:pPr indent="-317500" lvl="0" marL="457200" rtl="0" algn="l">
+              <a:lnSpc>
+                <a:spcPct val="115000"/>
+              </a:lnSpc>
+              <a:spcBef>
+                <a:spcPts val="0"/>
+              </a:spcBef>
+              <a:spcAft>
+                <a:spcPts val="0"/>
+              </a:spcAft>
+              <a:buClr>
+                <a:schemeClr val="dk1"/>
+              </a:buClr>
+              <a:buSzPts val="1400"/>
+              <a:buChar char="-"/>
+            </a:pPr>
+            <a:r>
+              <a:rPr lang="sv-SE"/>
+              <a:t>For each of those targets, we look at the inputs, configuration options, and execution environment. What can you control when you test this function that would influence the outcome of executing it? This includes both the actual input parameters - what you can pass to the functionality - and any other important aspects you can contorl and that might change the outcome, like database contents or the existence of a file.</a:t>
+            </a:r>
+            <a:endParaRPr/>
+          </a:p>
+          <a:p>
+            <a:pPr indent="-317500" lvl="0" marL="457200" rtl="0" algn="l">
+              <a:lnSpc>
+                <a:spcPct val="115000"/>
+              </a:lnSpc>
+              <a:spcBef>
+                <a:spcPts val="0"/>
+              </a:spcBef>
+              <a:spcAft>
+                <a:spcPts val="0"/>
+              </a:spcAft>
+              <a:buClr>
+                <a:schemeClr val="dk1"/>
+              </a:buClr>
+              <a:buSzPts val="1400"/>
+              <a:buChar char="-"/>
+            </a:pPr>
+            <a:r>
+              <a:rPr lang="sv-SE">
+                <a:solidFill>
+                  <a:schemeClr val="dk1"/>
+                </a:solidFill>
+              </a:rPr>
+              <a:t>For each of those</a:t>
+            </a:r>
+            <a:r>
+              <a:rPr lang="sv-SE"/>
+              <a:t> choices, what types</a:t>
+            </a:r>
+            <a:r>
+              <a:rPr lang="sv-SE">
+                <a:solidFill>
+                  <a:schemeClr val="dk1"/>
+                </a:solidFill>
+              </a:rPr>
+              <a:t> of input will trigger each </a:t>
+            </a:r>
+            <a:r>
+              <a:rPr lang="sv-SE"/>
+              <a:t>possible outcome</a:t>
+            </a:r>
+            <a:r>
+              <a:rPr lang="sv-SE">
+                <a:solidFill>
+                  <a:schemeClr val="dk1"/>
+                </a:solidFill>
+              </a:rPr>
+              <a:t>. </a:t>
+            </a:r>
+            <a:r>
+              <a:rPr lang="sv-SE"/>
+              <a:t>What types of input should we try?</a:t>
+            </a:r>
+            <a:endParaRPr>
+              <a:solidFill>
+                <a:schemeClr val="dk1"/>
+              </a:solidFill>
             </a:endParaRPr>
           </a:p>
           <a:p>
-            <a:pPr indent="-298450" lvl="0" marL="457200" rtl="0" algn="l">
+            <a:pPr indent="-317500" lvl="0" marL="457200" rtl="0" algn="l">
+              <a:lnSpc>
+                <a:spcPct val="115000"/>
+              </a:lnSpc>
               <a:spcBef>
                 <a:spcPts val="0"/>
               </a:spcBef>
@@ -2241,27 +2380,24 @@
               <a:buClr>
                 <a:schemeClr val="dk1"/>
               </a:buClr>
-              <a:buSzPts val="1100"/>
-              <a:buAutoNum type="arabicPeriod"/>
+              <a:buSzPts val="1400"/>
+              <a:buChar char="-"/>
             </a:pPr>
             <a:r>
-              <a:rPr lang="sv-SE" sz="1100">
-                <a:latin typeface="Arial"/>
-                <a:ea typeface="Arial"/>
-                <a:cs typeface="Arial"/>
-                <a:sym typeface="Arial"/>
-              </a:rPr>
-              <a:t>Then, for your targets, you need to identify the parameters. These can be explicit (passed into the function) or implicit (configuration options or other environmental factors - such as databases - that influence the outcome of the function).</a:t>
+              <a:rPr lang="sv-SE"/>
+              <a:t>We then combine these representative values to form recipes for test cases, abstract test specifications that state the type of input we will provide. These can lead to many different concrete test cases when we </a:t>
             </a:r>
-            <a:endParaRPr sz="1100">
-              <a:latin typeface="Arial"/>
-              <a:ea typeface="Arial"/>
-              <a:cs typeface="Arial"/>
-              <a:sym typeface="Arial"/>
+            <a:endParaRPr>
+              <a:solidFill>
+                <a:schemeClr val="dk1"/>
+              </a:solidFill>
             </a:endParaRPr>
           </a:p>
           <a:p>
-            <a:pPr indent="-298450" lvl="0" marL="457200" rtl="0" algn="l">
+            <a:pPr indent="-317500" lvl="0" marL="457200" rtl="0" algn="l">
+              <a:lnSpc>
+                <a:spcPct val="115000"/>
+              </a:lnSpc>
               <a:spcBef>
                 <a:spcPts val="0"/>
               </a:spcBef>
@@ -2271,124 +2407,45 @@
               <a:buClr>
                 <a:schemeClr val="dk1"/>
               </a:buClr>
-              <a:buSzPts val="1100"/>
-              <a:buAutoNum type="arabicPeriod"/>
+              <a:buSzPts val="1400"/>
+              <a:buChar char="-"/>
             </a:pPr>
             <a:r>
-              <a:rPr lang="sv-SE" sz="1100">
-                <a:latin typeface="Arial"/>
-                <a:ea typeface="Arial"/>
-                <a:cs typeface="Arial"/>
-                <a:sym typeface="Arial"/>
+              <a:rPr lang="sv-SE">
+                <a:solidFill>
+                  <a:schemeClr val="dk1"/>
+                </a:solidFill>
               </a:rPr>
-              <a:t>Each parameter can be manipulated in many ways through testing. For each parameter, you must identify choices - aspects of that input that you can vary, and that will have some impact on the outcome of testing this function. For example, if an input is a data structure, the choices might include fields of that data structure that impact the outcome of the function. If that data structure is serialized from a file, then choices may include the status of the file (whether that file exists, is corrupted, and so on).</a:t>
-            </a:r>
-            <a:endParaRPr sz="1100">
-              <a:latin typeface="Arial"/>
-              <a:ea typeface="Arial"/>
-              <a:cs typeface="Arial"/>
-              <a:sym typeface="Arial"/>
-            </a:endParaRPr>
-          </a:p>
-          <a:p>
-            <a:pPr indent="-298450" lvl="0" marL="457200" rtl="0" algn="l">
-              <a:spcBef>
-                <a:spcPts val="0"/>
-              </a:spcBef>
-              <a:spcAft>
-                <a:spcPts val="0"/>
-              </a:spcAft>
-              <a:buClr>
-                <a:schemeClr val="dk1"/>
-              </a:buClr>
-              <a:buSzPts val="1100"/>
-              <a:buAutoNum type="arabicPeriod"/>
-            </a:pPr>
-            <a:r>
-              <a:rPr lang="sv-SE" sz="1100">
-                <a:latin typeface="Arial"/>
-                <a:ea typeface="Arial"/>
-                <a:cs typeface="Arial"/>
-                <a:sym typeface="Arial"/>
-              </a:rPr>
-              <a:t>You cannot exhaustively test a function, there are too many possible values that can be fed in. So, instead, you partition the input domain for each choice into representative values (types of input). If you try at least one concrete input from each of these value types, you should trigger different outcomes and be more likely to notice faults. We discussed some methods of performing this partitioning in class. </a:t>
-            </a:r>
-            <a:endParaRPr sz="1100">
-              <a:latin typeface="Arial"/>
-              <a:ea typeface="Arial"/>
-              <a:cs typeface="Arial"/>
-              <a:sym typeface="Arial"/>
-            </a:endParaRPr>
-          </a:p>
-          <a:p>
-            <a:pPr indent="-298450" lvl="0" marL="457200" rtl="0" algn="l">
-              <a:spcBef>
-                <a:spcPts val="0"/>
-              </a:spcBef>
-              <a:spcAft>
-                <a:spcPts val="0"/>
-              </a:spcAft>
-              <a:buClr>
-                <a:schemeClr val="dk1"/>
-              </a:buClr>
-              <a:buSzPts val="1100"/>
-              <a:buAutoNum type="arabicPeriod"/>
-            </a:pPr>
-            <a:r>
-              <a:rPr lang="sv-SE" sz="1100">
-                <a:latin typeface="Arial"/>
-                <a:ea typeface="Arial"/>
-                <a:cs typeface="Arial"/>
-                <a:sym typeface="Arial"/>
-              </a:rPr>
-              <a:t>Once representative values are chosen, you can form test specifications - abstract recipes for tests - by choosing one value for each choice. You can transform these recipes into actual test cases by coming up with concrete input values that fit into the category of value for each choice</a:t>
-            </a:r>
-            <a:endParaRPr sz="1100">
-              <a:latin typeface="Arial"/>
-              <a:ea typeface="Arial"/>
-              <a:cs typeface="Arial"/>
-              <a:sym typeface="Arial"/>
-            </a:endParaRPr>
-          </a:p>
-          <a:p>
-            <a:pPr indent="0" lvl="0" marL="0" rtl="0" algn="l">
-              <a:spcBef>
-                <a:spcPts val="0"/>
-              </a:spcBef>
-              <a:spcAft>
-                <a:spcPts val="0"/>
-              </a:spcAft>
-              <a:buNone/>
-            </a:pPr>
-            <a:r>
-              <a:rPr lang="sv-SE" sz="1100">
-                <a:solidFill>
-                  <a:srgbClr val="4F4F4F"/>
-                </a:solidFill>
-                <a:latin typeface="Arial"/>
-                <a:ea typeface="Arial"/>
-                <a:cs typeface="Arial"/>
-                <a:sym typeface="Arial"/>
-              </a:rPr>
-              <a:t>In this exercise, you have been asked to perform Steps 1-3 above - identify the parameters, split the parameters into choices, then partition the input values for each choice into representative values. You can constrain the number of test specifications by adding further constraints (ERROR, SINGLE, IF) that note when certain representative values should be used in combination with other values. </a:t>
+              <a:t>instantiate the specifications by </a:t>
             </a:r>
             <a:r>
-              <a:rPr b="1" lang="sv-SE" sz="1100">
-                <a:solidFill>
-                  <a:srgbClr val="4F4F4F"/>
-                </a:solidFill>
-                <a:latin typeface="Arial"/>
-                <a:ea typeface="Arial"/>
-                <a:cs typeface="Arial"/>
-                <a:sym typeface="Arial"/>
+              <a:rPr lang="sv-SE"/>
+              <a:t>replacing the abstract representative values with</a:t>
+            </a:r>
+            <a:r>
+              <a:rPr lang="sv-SE">
+                <a:solidFill>
+                  <a:schemeClr val="dk1"/>
+                </a:solidFill>
               </a:rPr>
-              <a:t>Note that you do not have to use all constraints (i.e., you do not need to use SINGLE unless it makes sense to do so).</a:t>
+              <a:t> concrete</a:t>
             </a:r>
-            <a:endParaRPr sz="1100">
-              <a:latin typeface="Arial"/>
-              <a:ea typeface="Arial"/>
-              <a:cs typeface="Arial"/>
-              <a:sym typeface="Arial"/>
+            <a:r>
+              <a:rPr lang="sv-SE"/>
+              <a:t> values</a:t>
+            </a:r>
+            <a:r>
+              <a:rPr lang="sv-SE">
+                <a:solidFill>
+                  <a:schemeClr val="dk1"/>
+                </a:solidFill>
+              </a:rPr>
+              <a:t>.</a:t>
+            </a:r>
+            <a:endParaRPr>
+              <a:solidFill>
+                <a:schemeClr val="dk1"/>
+              </a:solidFill>
             </a:endParaRPr>
           </a:p>
         </p:txBody>
@@ -15195,7 +15252,7 @@
             </a:pPr>
             <a:r>
               <a:rPr lang="sv-SE"/>
-              <a:t>Creating Test Cases</a:t>
+              <a:t>Creating Functional Tests</a:t>
             </a:r>
             <a:endParaRPr/>
           </a:p>
@@ -15247,7 +15304,7 @@
             </a:pPr>
             <a:r>
               <a:rPr b="1" lang="sv-SE" sz="1300"/>
-              <a:t>Identify Testing Target</a:t>
+              <a:t>Identify Testing Targets</a:t>
             </a:r>
             <a:endParaRPr b="1" sz="1300"/>
           </a:p>
@@ -15611,7 +15668,15 @@
             </a:pPr>
             <a:r>
               <a:rPr lang="sv-SE" sz="1600"/>
-              <a:t>Identify function(s) that can be tested in (relative) isolation.</a:t>
+              <a:t>Identify </a:t>
+            </a:r>
+            <a:r>
+              <a:rPr b="1" lang="sv-SE" sz="1600"/>
+              <a:t>function(s)</a:t>
+            </a:r>
+            <a:r>
+              <a:rPr lang="sv-SE" sz="1600"/>
+              <a:t> that can be tested in (relative) isolation.</a:t>
             </a:r>
             <a:endParaRPr sz="1800"/>
           </a:p>
@@ -15661,7 +15726,15 @@
             </a:pPr>
             <a:r>
               <a:rPr lang="sv-SE" sz="1200"/>
-              <a:t>Identify controllable aspects of the input and environment that determine the outcome of the function.</a:t>
+              <a:t>Identify </a:t>
+            </a:r>
+            <a:r>
+              <a:rPr b="1" lang="sv-SE" sz="1200"/>
+              <a:t>controllable aspects</a:t>
+            </a:r>
+            <a:r>
+              <a:rPr lang="sv-SE" sz="1200"/>
+              <a:t> of the input and environment that determine the outcome of that function.</a:t>
             </a:r>
             <a:endParaRPr sz="1200"/>
           </a:p>
@@ -15711,7 +15784,15 @@
             </a:pPr>
             <a:r>
               <a:rPr lang="sv-SE"/>
-              <a:t>Identify types of values for each choice that lead to different function outcomes.</a:t>
+              <a:t>Identify </a:t>
+            </a:r>
+            <a:r>
+              <a:rPr b="1" lang="sv-SE"/>
+              <a:t>options for each choice</a:t>
+            </a:r>
+            <a:r>
+              <a:rPr lang="sv-SE"/>
+              <a:t> that lead to different function outcomes.</a:t>
             </a:r>
             <a:endParaRPr/>
           </a:p>
@@ -15760,8 +15841,12 @@
               <a:buNone/>
             </a:pPr>
             <a:r>
+              <a:rPr b="1" lang="sv-SE"/>
+              <a:t>Select a value for all choices</a:t>
+            </a:r>
+            <a:r>
               <a:rPr lang="sv-SE"/>
-              <a:t>Combine values to form “recipes” for test cases. </a:t>
+              <a:t> to form abstract test case “recipe”. </a:t>
             </a:r>
             <a:endParaRPr/>
           </a:p>
@@ -15811,7 +15896,15 @@
             </a:pPr>
             <a:r>
               <a:rPr lang="sv-SE" sz="1200"/>
-              <a:t>Replace representative values with concrete values.</a:t>
+              <a:t>Replace representative values with </a:t>
+            </a:r>
+            <a:r>
+              <a:rPr b="1" lang="sv-SE" sz="1200"/>
+              <a:t>concrete values</a:t>
+            </a:r>
+            <a:r>
+              <a:rPr lang="sv-SE" sz="1200"/>
+              <a:t>.</a:t>
             </a:r>
             <a:endParaRPr sz="1200"/>
           </a:p>
@@ -15866,6 +15959,301 @@
   <p:clrMapOvr>
     <a:masterClrMapping/>
   </p:clrMapOvr>
+  <p:timing>
+    <p:tnLst>
+      <p:par>
+        <p:cTn dur="indefinite" nodeType="tmRoot" restart="never">
+          <p:childTnLst>
+            <p:seq concurrent="1" nextAc="seek">
+              <p:cTn dur="indefinite" id="2" nodeType="mainSeq">
+                <p:childTnLst>
+                  <p:par>
+                    <p:cTn fill="hold">
+                      <p:stCondLst>
+                        <p:cond delay="indefinite"/>
+                      </p:stCondLst>
+                      <p:childTnLst>
+                        <p:par>
+                          <p:cTn fill="hold">
+                            <p:stCondLst>
+                              <p:cond delay="0"/>
+                            </p:stCondLst>
+                            <p:childTnLst>
+                              <p:par>
+                                <p:cTn fill="hold" nodeType="clickEffect" presetClass="entr" presetID="10" presetSubtype="0">
+                                  <p:stCondLst>
+                                    <p:cond delay="0"/>
+                                  </p:stCondLst>
+                                  <p:childTnLst>
+                                    <p:set>
+                                      <p:cBhvr>
+                                        <p:cTn dur="1" fill="hold">
+                                          <p:stCondLst>
+                                            <p:cond delay="0"/>
+                                          </p:stCondLst>
+                                        </p:cTn>
+                                        <p:tgtEl>
+                                          <p:spTgt spid="121"/>
+                                        </p:tgtEl>
+                                        <p:attrNameLst>
+                                          <p:attrName>style.visibility</p:attrName>
+                                        </p:attrNameLst>
+                                      </p:cBhvr>
+                                      <p:to>
+                                        <p:strVal val="visible"/>
+                                      </p:to>
+                                    </p:set>
+                                    <p:animEffect filter="fade" transition="in">
+                                      <p:cBhvr>
+                                        <p:cTn dur="1"/>
+                                        <p:tgtEl>
+                                          <p:spTgt spid="121"/>
+                                        </p:tgtEl>
+                                      </p:cBhvr>
+                                    </p:animEffect>
+                                  </p:childTnLst>
+                                </p:cTn>
+                              </p:par>
+                            </p:childTnLst>
+                          </p:cTn>
+                        </p:par>
+                      </p:childTnLst>
+                    </p:cTn>
+                  </p:par>
+                  <p:par>
+                    <p:cTn fill="hold">
+                      <p:stCondLst>
+                        <p:cond delay="indefinite"/>
+                      </p:stCondLst>
+                      <p:childTnLst>
+                        <p:par>
+                          <p:cTn fill="hold">
+                            <p:stCondLst>
+                              <p:cond delay="0"/>
+                            </p:stCondLst>
+                            <p:childTnLst>
+                              <p:par>
+                                <p:cTn fill="hold" nodeType="clickEffect" presetClass="entr" presetID="10" presetSubtype="0">
+                                  <p:stCondLst>
+                                    <p:cond delay="0"/>
+                                  </p:stCondLst>
+                                  <p:childTnLst>
+                                    <p:set>
+                                      <p:cBhvr>
+                                        <p:cTn dur="1" fill="hold">
+                                          <p:stCondLst>
+                                            <p:cond delay="0"/>
+                                          </p:stCondLst>
+                                        </p:cTn>
+                                        <p:tgtEl>
+                                          <p:spTgt spid="122"/>
+                                        </p:tgtEl>
+                                        <p:attrNameLst>
+                                          <p:attrName>style.visibility</p:attrName>
+                                        </p:attrNameLst>
+                                      </p:cBhvr>
+                                      <p:to>
+                                        <p:strVal val="visible"/>
+                                      </p:to>
+                                    </p:set>
+                                    <p:animEffect filter="fade" transition="in">
+                                      <p:cBhvr>
+                                        <p:cTn dur="1"/>
+                                        <p:tgtEl>
+                                          <p:spTgt spid="122"/>
+                                        </p:tgtEl>
+                                      </p:cBhvr>
+                                    </p:animEffect>
+                                  </p:childTnLst>
+                                </p:cTn>
+                              </p:par>
+                            </p:childTnLst>
+                          </p:cTn>
+                        </p:par>
+                      </p:childTnLst>
+                    </p:cTn>
+                  </p:par>
+                  <p:par>
+                    <p:cTn fill="hold">
+                      <p:stCondLst>
+                        <p:cond delay="indefinite"/>
+                      </p:stCondLst>
+                      <p:childTnLst>
+                        <p:par>
+                          <p:cTn fill="hold">
+                            <p:stCondLst>
+                              <p:cond delay="0"/>
+                            </p:stCondLst>
+                            <p:childTnLst>
+                              <p:par>
+                                <p:cTn fill="hold" nodeType="clickEffect" presetClass="entr" presetID="10" presetSubtype="0">
+                                  <p:stCondLst>
+                                    <p:cond delay="0"/>
+                                  </p:stCondLst>
+                                  <p:childTnLst>
+                                    <p:set>
+                                      <p:cBhvr>
+                                        <p:cTn dur="1" fill="hold">
+                                          <p:stCondLst>
+                                            <p:cond delay="0"/>
+                                          </p:stCondLst>
+                                        </p:cTn>
+                                        <p:tgtEl>
+                                          <p:spTgt spid="123"/>
+                                        </p:tgtEl>
+                                        <p:attrNameLst>
+                                          <p:attrName>style.visibility</p:attrName>
+                                        </p:attrNameLst>
+                                      </p:cBhvr>
+                                      <p:to>
+                                        <p:strVal val="visible"/>
+                                      </p:to>
+                                    </p:set>
+                                    <p:animEffect filter="fade" transition="in">
+                                      <p:cBhvr>
+                                        <p:cTn dur="1"/>
+                                        <p:tgtEl>
+                                          <p:spTgt spid="123"/>
+                                        </p:tgtEl>
+                                      </p:cBhvr>
+                                    </p:animEffect>
+                                  </p:childTnLst>
+                                </p:cTn>
+                              </p:par>
+                            </p:childTnLst>
+                          </p:cTn>
+                        </p:par>
+                      </p:childTnLst>
+                    </p:cTn>
+                  </p:par>
+                  <p:par>
+                    <p:cTn fill="hold">
+                      <p:stCondLst>
+                        <p:cond delay="indefinite"/>
+                      </p:stCondLst>
+                      <p:childTnLst>
+                        <p:par>
+                          <p:cTn fill="hold">
+                            <p:stCondLst>
+                              <p:cond delay="0"/>
+                            </p:stCondLst>
+                            <p:childTnLst>
+                              <p:par>
+                                <p:cTn fill="hold" nodeType="clickEffect" presetClass="entr" presetID="10" presetSubtype="0">
+                                  <p:stCondLst>
+                                    <p:cond delay="0"/>
+                                  </p:stCondLst>
+                                  <p:childTnLst>
+                                    <p:set>
+                                      <p:cBhvr>
+                                        <p:cTn dur="1" fill="hold">
+                                          <p:stCondLst>
+                                            <p:cond delay="0"/>
+                                          </p:stCondLst>
+                                        </p:cTn>
+                                        <p:tgtEl>
+                                          <p:spTgt spid="124"/>
+                                        </p:tgtEl>
+                                        <p:attrNameLst>
+                                          <p:attrName>style.visibility</p:attrName>
+                                        </p:attrNameLst>
+                                      </p:cBhvr>
+                                      <p:to>
+                                        <p:strVal val="visible"/>
+                                      </p:to>
+                                    </p:set>
+                                    <p:animEffect filter="fade" transition="in">
+                                      <p:cBhvr>
+                                        <p:cTn dur="1"/>
+                                        <p:tgtEl>
+                                          <p:spTgt spid="124"/>
+                                        </p:tgtEl>
+                                      </p:cBhvr>
+                                    </p:animEffect>
+                                  </p:childTnLst>
+                                </p:cTn>
+                              </p:par>
+                            </p:childTnLst>
+                          </p:cTn>
+                        </p:par>
+                      </p:childTnLst>
+                    </p:cTn>
+                  </p:par>
+                  <p:par>
+                    <p:cTn fill="hold">
+                      <p:stCondLst>
+                        <p:cond delay="indefinite"/>
+                      </p:stCondLst>
+                      <p:childTnLst>
+                        <p:par>
+                          <p:cTn fill="hold">
+                            <p:stCondLst>
+                              <p:cond delay="0"/>
+                            </p:stCondLst>
+                            <p:childTnLst>
+                              <p:par>
+                                <p:cTn fill="hold" nodeType="clickEffect" presetClass="entr" presetID="10" presetSubtype="0">
+                                  <p:stCondLst>
+                                    <p:cond delay="0"/>
+                                  </p:stCondLst>
+                                  <p:childTnLst>
+                                    <p:set>
+                                      <p:cBhvr>
+                                        <p:cTn dur="1" fill="hold">
+                                          <p:stCondLst>
+                                            <p:cond delay="0"/>
+                                          </p:stCondLst>
+                                        </p:cTn>
+                                        <p:tgtEl>
+                                          <p:spTgt spid="125"/>
+                                        </p:tgtEl>
+                                        <p:attrNameLst>
+                                          <p:attrName>style.visibility</p:attrName>
+                                        </p:attrNameLst>
+                                      </p:cBhvr>
+                                      <p:to>
+                                        <p:strVal val="visible"/>
+                                      </p:to>
+                                    </p:set>
+                                    <p:animEffect filter="fade" transition="in">
+                                      <p:cBhvr>
+                                        <p:cTn dur="1"/>
+                                        <p:tgtEl>
+                                          <p:spTgt spid="125"/>
+                                        </p:tgtEl>
+                                      </p:cBhvr>
+                                    </p:animEffect>
+                                  </p:childTnLst>
+                                </p:cTn>
+                              </p:par>
+                            </p:childTnLst>
+                          </p:cTn>
+                        </p:par>
+                      </p:childTnLst>
+                    </p:cTn>
+                  </p:par>
+                </p:childTnLst>
+              </p:cTn>
+              <p:prevCondLst>
+                <p:cond evt="onPrev">
+                  <p:tgtEl>
+                    <p:sldTgt/>
+                  </p:tgtEl>
+                </p:cond>
+              </p:prevCondLst>
+              <p:nextCondLst>
+                <p:cond evt="onNext">
+                  <p:tgtEl>
+                    <p:sldTgt/>
+                  </p:tgtEl>
+                </p:cond>
+              </p:nextCondLst>
+            </p:seq>
+          </p:childTnLst>
+        </p:cTn>
+      </p:par>
+    </p:tnLst>
+  </p:timing>
 </p:sld>
 </file>
 
@@ -17432,7 +17820,7 @@
 </file>
 
 <file path=ppt/theme/theme1.xml><?xml version="1.0" encoding="utf-8"?>
-<a:theme xmlns:a="http://schemas.openxmlformats.org/drawingml/2006/main" xmlns:r="http://schemas.openxmlformats.org/officeDocument/2006/relationships" name="Master layout">
+<a:theme xmlns:a="http://schemas.openxmlformats.org/drawingml/2006/main" xmlns:r="http://schemas.openxmlformats.org/officeDocument/2006/relationships" name="Sista bilden Master">
   <a:themeElements>
     <a:clrScheme name="Chalmers Colour Theme">
       <a:dk1>
@@ -17711,44 +18099,44 @@
 </file>
 
 <file path=ppt/theme/theme2.xml><?xml version="1.0" encoding="utf-8"?>
-<a:theme xmlns:a="http://schemas.openxmlformats.org/drawingml/2006/main" xmlns:r="http://schemas.openxmlformats.org/officeDocument/2006/relationships" name="Office Theme">
+<a:theme xmlns:a="http://schemas.openxmlformats.org/drawingml/2006/main" xmlns:r="http://schemas.openxmlformats.org/officeDocument/2006/relationships" name="Master layout">
   <a:themeElements>
-    <a:clrScheme name="Office">
+    <a:clrScheme name="Chalmers Colour Theme">
       <a:dk1>
-        <a:srgbClr val="000000"/>
+        <a:srgbClr val="4F4F4F"/>
       </a:dk1>
       <a:lt1>
         <a:srgbClr val="FFFFFF"/>
       </a:lt1>
       <a:dk2>
-        <a:srgbClr val="44546A"/>
+        <a:srgbClr val="6F828C"/>
       </a:dk2>
       <a:lt2>
-        <a:srgbClr val="E7E6E6"/>
+        <a:srgbClr val="99B3C2"/>
       </a:lt2>
       <a:accent1>
-        <a:srgbClr val="4472C4"/>
+        <a:srgbClr val="003050"/>
       </a:accent1>
       <a:accent2>
-        <a:srgbClr val="ED7D31"/>
+        <a:srgbClr val="00A99D"/>
       </a:accent2>
       <a:accent3>
-        <a:srgbClr val="A5A5A5"/>
+        <a:srgbClr val="006C5C"/>
       </a:accent3>
       <a:accent4>
-        <a:srgbClr val="FFC000"/>
+        <a:srgbClr val="7FB538"/>
       </a:accent4>
       <a:accent5>
-        <a:srgbClr val="5B9BD5"/>
+        <a:srgbClr val="58B0E3"/>
       </a:accent5>
       <a:accent6>
-        <a:srgbClr val="70AD47"/>
+        <a:srgbClr val="483728"/>
       </a:accent6>
       <a:hlink>
-        <a:srgbClr val="0563C1"/>
+        <a:srgbClr val="F15922"/>
       </a:hlink>
       <a:folHlink>
-        <a:srgbClr val="954F72"/>
+        <a:srgbClr val="FFCB05"/>
       </a:folHlink>
     </a:clrScheme>
     <a:fontScheme name="Office">
@@ -18269,44 +18657,44 @@
 </file>
 
 <file path=ppt/theme/theme4.xml><?xml version="1.0" encoding="utf-8"?>
-<a:theme xmlns:a="http://schemas.openxmlformats.org/drawingml/2006/main" xmlns:r="http://schemas.openxmlformats.org/officeDocument/2006/relationships" name="Sista bilden Master">
+<a:theme xmlns:a="http://schemas.openxmlformats.org/drawingml/2006/main" xmlns:r="http://schemas.openxmlformats.org/officeDocument/2006/relationships" name="Office Theme">
   <a:themeElements>
-    <a:clrScheme name="Chalmers Colour Theme">
+    <a:clrScheme name="Office">
       <a:dk1>
-        <a:srgbClr val="4F4F4F"/>
+        <a:srgbClr val="000000"/>
       </a:dk1>
       <a:lt1>
         <a:srgbClr val="FFFFFF"/>
       </a:lt1>
       <a:dk2>
-        <a:srgbClr val="6F828C"/>
+        <a:srgbClr val="44546A"/>
       </a:dk2>
       <a:lt2>
-        <a:srgbClr val="99B3C2"/>
+        <a:srgbClr val="E7E6E6"/>
       </a:lt2>
       <a:accent1>
-        <a:srgbClr val="003050"/>
+        <a:srgbClr val="4472C4"/>
       </a:accent1>
       <a:accent2>
-        <a:srgbClr val="00A99D"/>
+        <a:srgbClr val="ED7D31"/>
       </a:accent2>
       <a:accent3>
-        <a:srgbClr val="006C5C"/>
+        <a:srgbClr val="A5A5A5"/>
       </a:accent3>
       <a:accent4>
-        <a:srgbClr val="7FB538"/>
+        <a:srgbClr val="FFC000"/>
       </a:accent4>
       <a:accent5>
-        <a:srgbClr val="58B0E3"/>
+        <a:srgbClr val="5B9BD5"/>
       </a:accent5>
       <a:accent6>
-        <a:srgbClr val="483728"/>
+        <a:srgbClr val="70AD47"/>
       </a:accent6>
       <a:hlink>
-        <a:srgbClr val="F15922"/>
+        <a:srgbClr val="0563C1"/>
       </a:hlink>
       <a:folHlink>
-        <a:srgbClr val="FFCB05"/>
+        <a:srgbClr val="954F72"/>
       </a:folHlink>
     </a:clrScheme>
     <a:fontScheme name="Office">
